--- a/reports/UFC-Dataset.pptx
+++ b/reports/UFC-Dataset.pptx
@@ -126,6 +126,35 @@
     </p:ext>
   </p:extLst>
 </p:presentation>
+</file>
+
+<file path=ppt/changesInfos/changesInfo1.xml><?xml version="1.0" encoding="utf-8"?>
+<pc:chgInfo xmlns:a="http://schemas.openxmlformats.org/drawingml/2006/main" xmlns:r="http://schemas.openxmlformats.org/officeDocument/2006/relationships" xmlns:ac="http://schemas.microsoft.com/office/drawing/2013/main/command" xmlns:pc="http://schemas.microsoft.com/office/powerpoint/2013/main/command">
+  <pc:docChgLst>
+    <pc:chgData name="luka.maier@edu.uni-graz.at" userId="fdc483ae-c691-45e1-87b8-c1ba072db99b" providerId="ADAL" clId="{4B4DFB60-3AC6-4B7A-9B7D-A88B1976E41B}"/>
+    <pc:docChg chg="modSld">
+      <pc:chgData name="luka.maier@edu.uni-graz.at" userId="fdc483ae-c691-45e1-87b8-c1ba072db99b" providerId="ADAL" clId="{4B4DFB60-3AC6-4B7A-9B7D-A88B1976E41B}" dt="2020-05-08T12:44:25.572" v="1" actId="20577"/>
+      <pc:docMkLst>
+        <pc:docMk/>
+      </pc:docMkLst>
+      <pc:sldChg chg="modSp mod">
+        <pc:chgData name="luka.maier@edu.uni-graz.at" userId="fdc483ae-c691-45e1-87b8-c1ba072db99b" providerId="ADAL" clId="{4B4DFB60-3AC6-4B7A-9B7D-A88B1976E41B}" dt="2020-05-08T12:44:25.572" v="1" actId="20577"/>
+        <pc:sldMkLst>
+          <pc:docMk/>
+          <pc:sldMk cId="2849853374" sldId="261"/>
+        </pc:sldMkLst>
+        <pc:spChg chg="mod">
+          <ac:chgData name="luka.maier@edu.uni-graz.at" userId="fdc483ae-c691-45e1-87b8-c1ba072db99b" providerId="ADAL" clId="{4B4DFB60-3AC6-4B7A-9B7D-A88B1976E41B}" dt="2020-05-08T12:44:25.572" v="1" actId="20577"/>
+          <ac:spMkLst>
+            <pc:docMk/>
+            <pc:sldMk cId="2849853374" sldId="261"/>
+            <ac:spMk id="3" creationId="{501B7A6B-6E8A-4C36-B921-F80D967EE5B1}"/>
+          </ac:spMkLst>
+        </pc:spChg>
+      </pc:sldChg>
+    </pc:docChg>
+  </pc:docChgLst>
+</pc:chgInfo>
 </file>
 
 <file path=ppt/charts/chart1.xml><?xml version="1.0" encoding="utf-8"?>
@@ -6175,57 +6204,190 @@
           <a:lstStyle/>
           <a:p>
             <a:r>
-              <a:rPr lang="de-DE" sz="2200"/>
-              <a:t>predict the winner of a UFC-fight based on the available data from kaagle</a:t>
-            </a:r>
-          </a:p>
-          <a:p>
-            <a:r>
-              <a:rPr lang="de-DE" sz="2200"/>
+              <a:rPr lang="de-DE" sz="2200" dirty="0" err="1"/>
+              <a:t>predict</a:t>
+            </a:r>
+            <a:r>
+              <a:rPr lang="de-DE" sz="2200" dirty="0"/>
+              <a:t> </a:t>
+            </a:r>
+            <a:r>
+              <a:rPr lang="de-DE" sz="2200" dirty="0" err="1"/>
+              <a:t>the</a:t>
+            </a:r>
+            <a:r>
+              <a:rPr lang="de-DE" sz="2200" dirty="0"/>
+              <a:t> </a:t>
+            </a:r>
+            <a:r>
+              <a:rPr lang="de-DE" sz="2200" dirty="0" err="1"/>
+              <a:t>winner</a:t>
+            </a:r>
+            <a:r>
+              <a:rPr lang="de-DE" sz="2200" dirty="0"/>
+              <a:t> </a:t>
+            </a:r>
+            <a:r>
+              <a:rPr lang="de-DE" sz="2200" dirty="0" err="1"/>
+              <a:t>of</a:t>
+            </a:r>
+            <a:r>
+              <a:rPr lang="de-DE" sz="2200" dirty="0"/>
+              <a:t> a UFC-</a:t>
+            </a:r>
+            <a:r>
+              <a:rPr lang="de-DE" sz="2200" dirty="0" err="1"/>
+              <a:t>fight</a:t>
+            </a:r>
+            <a:r>
+              <a:rPr lang="de-DE" sz="2200" dirty="0"/>
+              <a:t> </a:t>
+            </a:r>
+            <a:r>
+              <a:rPr lang="de-DE" sz="2200" dirty="0" err="1"/>
+              <a:t>based</a:t>
+            </a:r>
+            <a:r>
+              <a:rPr lang="de-DE" sz="2200" dirty="0"/>
+              <a:t> on </a:t>
+            </a:r>
+            <a:r>
+              <a:rPr lang="de-DE" sz="2200" dirty="0" err="1"/>
+              <a:t>the</a:t>
+            </a:r>
+            <a:r>
+              <a:rPr lang="de-DE" sz="2200" dirty="0"/>
+              <a:t> </a:t>
+            </a:r>
+            <a:r>
+              <a:rPr lang="de-DE" sz="2200" dirty="0" err="1"/>
+              <a:t>available</a:t>
+            </a:r>
+            <a:r>
+              <a:rPr lang="de-DE" sz="2200" dirty="0"/>
+              <a:t> </a:t>
+            </a:r>
+            <a:r>
+              <a:rPr lang="de-DE" sz="2200" dirty="0" err="1"/>
+              <a:t>data</a:t>
+            </a:r>
+            <a:r>
+              <a:rPr lang="de-DE" sz="2200" dirty="0"/>
+              <a:t> </a:t>
+            </a:r>
+            <a:r>
+              <a:rPr lang="de-DE" sz="2200" dirty="0" err="1"/>
+              <a:t>from</a:t>
+            </a:r>
+            <a:r>
+              <a:rPr lang="de-DE" sz="2200" dirty="0"/>
+              <a:t> </a:t>
+            </a:r>
+            <a:r>
+              <a:rPr lang="de-DE" sz="2200" dirty="0" err="1"/>
+              <a:t>kaggle</a:t>
+            </a:r>
+            <a:endParaRPr lang="de-DE" sz="2200" dirty="0"/>
+          </a:p>
+          <a:p>
+            <a:r>
+              <a:rPr lang="de-DE" sz="2200" dirty="0"/>
               <a:t>Outcome:</a:t>
             </a:r>
           </a:p>
           <a:p>
             <a:pPr lvl="1"/>
             <a:r>
-              <a:rPr lang="de-DE" sz="2200"/>
-              <a:t>Accuracy: 0,71</a:t>
+              <a:rPr lang="de-DE" sz="2200" dirty="0" err="1"/>
+              <a:t>Accuracy</a:t>
+            </a:r>
+            <a:r>
+              <a:rPr lang="de-DE" sz="2200" dirty="0"/>
+              <a:t>: 0,71</a:t>
             </a:r>
           </a:p>
           <a:p>
             <a:pPr lvl="1"/>
             <a:r>
-              <a:rPr lang="de-DE" sz="2200"/>
+              <a:rPr lang="de-DE" sz="2200" dirty="0"/>
               <a:t>F1-score: 0,81</a:t>
             </a:r>
           </a:p>
           <a:p>
             <a:pPr lvl="1"/>
             <a:r>
-              <a:rPr lang="de-DE" sz="2200"/>
+              <a:rPr lang="de-DE" sz="2200" dirty="0"/>
               <a:t>Recall: 0,92 </a:t>
             </a:r>
           </a:p>
           <a:p>
             <a:pPr lvl="1"/>
             <a:r>
-              <a:rPr lang="de-DE" sz="2200"/>
+              <a:rPr lang="de-DE" sz="2200" dirty="0"/>
               <a:t>Precision: 0,72 </a:t>
             </a:r>
           </a:p>
           <a:p>
             <a:r>
-              <a:rPr lang="de-DE" sz="2200"/>
-              <a:t>Assessment based on metrics: better than random ( = 0,5), decent f1-score</a:t>
+              <a:rPr lang="de-DE" sz="2200" dirty="0"/>
+              <a:t>Assessment </a:t>
+            </a:r>
+            <a:r>
+              <a:rPr lang="de-DE" sz="2200" dirty="0" err="1"/>
+              <a:t>based</a:t>
+            </a:r>
+            <a:r>
+              <a:rPr lang="de-DE" sz="2200" dirty="0"/>
+              <a:t> on </a:t>
+            </a:r>
+            <a:r>
+              <a:rPr lang="de-DE" sz="2200" dirty="0" err="1"/>
+              <a:t>metrics</a:t>
+            </a:r>
+            <a:r>
+              <a:rPr lang="de-DE" sz="2200" dirty="0"/>
+              <a:t>: </a:t>
+            </a:r>
+            <a:r>
+              <a:rPr lang="de-DE" sz="2200" dirty="0" err="1"/>
+              <a:t>better</a:t>
+            </a:r>
+            <a:r>
+              <a:rPr lang="de-DE" sz="2200" dirty="0"/>
+              <a:t> </a:t>
+            </a:r>
+            <a:r>
+              <a:rPr lang="de-DE" sz="2200" dirty="0" err="1"/>
+              <a:t>than</a:t>
+            </a:r>
+            <a:r>
+              <a:rPr lang="de-DE" sz="2200" dirty="0"/>
+              <a:t> </a:t>
+            </a:r>
+            <a:r>
+              <a:rPr lang="de-DE" sz="2200" dirty="0" err="1"/>
+              <a:t>random</a:t>
+            </a:r>
+            <a:r>
+              <a:rPr lang="de-DE" sz="2200" dirty="0"/>
+              <a:t> ( = 0,5), </a:t>
+            </a:r>
+            <a:r>
+              <a:rPr lang="de-DE" sz="2200" dirty="0" err="1"/>
+              <a:t>decent</a:t>
+            </a:r>
+            <a:r>
+              <a:rPr lang="de-DE" sz="2200" dirty="0"/>
+              <a:t> f1-score</a:t>
             </a:r>
           </a:p>
           <a:p>
             <a:pPr lvl="1"/>
-            <a:endParaRPr lang="de-AT" sz="2200"/>
+            <a:endParaRPr lang="de-AT" sz="2200" dirty="0"/>
           </a:p>
           <a:p>
             <a:pPr lvl="5"/>
-            <a:endParaRPr lang="de-AT" sz="2200"/>
+            <a:endParaRPr lang="de-AT" sz="2200" dirty="0"/>
           </a:p>
         </p:txBody>
       </p:sp>

--- a/reports/UFC-Dataset.pptx
+++ b/reports/UFC-Dataset.pptx
@@ -133,10 +133,25 @@
   <pc:docChgLst>
     <pc:chgData name="luka.maier@edu.uni-graz.at" userId="fdc483ae-c691-45e1-87b8-c1ba072db99b" providerId="ADAL" clId="{4B4DFB60-3AC6-4B7A-9B7D-A88B1976E41B}"/>
     <pc:docChg chg="modSld">
-      <pc:chgData name="luka.maier@edu.uni-graz.at" userId="fdc483ae-c691-45e1-87b8-c1ba072db99b" providerId="ADAL" clId="{4B4DFB60-3AC6-4B7A-9B7D-A88B1976E41B}" dt="2020-05-08T12:44:25.572" v="1" actId="20577"/>
+      <pc:chgData name="luka.maier@edu.uni-graz.at" userId="fdc483ae-c691-45e1-87b8-c1ba072db99b" providerId="ADAL" clId="{4B4DFB60-3AC6-4B7A-9B7D-A88B1976E41B}" dt="2020-05-08T12:51:59.963" v="37" actId="20577"/>
       <pc:docMkLst>
         <pc:docMk/>
       </pc:docMkLst>
+      <pc:sldChg chg="modSp mod">
+        <pc:chgData name="luka.maier@edu.uni-graz.at" userId="fdc483ae-c691-45e1-87b8-c1ba072db99b" providerId="ADAL" clId="{4B4DFB60-3AC6-4B7A-9B7D-A88B1976E41B}" dt="2020-05-08T12:51:59.963" v="37" actId="20577"/>
+        <pc:sldMkLst>
+          <pc:docMk/>
+          <pc:sldMk cId="1637206397" sldId="260"/>
+        </pc:sldMkLst>
+        <pc:spChg chg="mod">
+          <ac:chgData name="luka.maier@edu.uni-graz.at" userId="fdc483ae-c691-45e1-87b8-c1ba072db99b" providerId="ADAL" clId="{4B4DFB60-3AC6-4B7A-9B7D-A88B1976E41B}" dt="2020-05-08T12:51:59.963" v="37" actId="20577"/>
+          <ac:spMkLst>
+            <pc:docMk/>
+            <pc:sldMk cId="1637206397" sldId="260"/>
+            <ac:spMk id="3" creationId="{0C8CA7E4-3023-4677-B47F-D687FF9003C4}"/>
+          </ac:spMkLst>
+        </pc:spChg>
+      </pc:sldChg>
       <pc:sldChg chg="modSp mod">
         <pc:chgData name="luka.maier@edu.uni-graz.at" userId="fdc483ae-c691-45e1-87b8-c1ba072db99b" providerId="ADAL" clId="{4B4DFB60-3AC6-4B7A-9B7D-A88B1976E41B}" dt="2020-05-08T12:44:25.572" v="1" actId="20577"/>
         <pc:sldMkLst>
@@ -5318,53 +5333,233 @@
           <a:lstStyle/>
           <a:p>
             <a:r>
-              <a:rPr lang="de-DE" sz="2400"/>
-              <a:t>Peak of density is at around 0,78</a:t>
-            </a:r>
-          </a:p>
-          <a:p>
-            <a:r>
-              <a:rPr lang="de-AT" sz="2400"/>
-              <a:t>Sharp drop of density towards</a:t>
+              <a:rPr lang="de-DE" sz="2400" dirty="0"/>
+              <a:t>Peak </a:t>
+            </a:r>
+            <a:r>
+              <a:rPr lang="de-DE" sz="2400" dirty="0" err="1"/>
+              <a:t>of</a:t>
+            </a:r>
+            <a:r>
+              <a:rPr lang="de-DE" sz="2400" dirty="0"/>
+              <a:t> </a:t>
+            </a:r>
+            <a:r>
+              <a:rPr lang="de-DE" sz="2400" dirty="0" err="1"/>
+              <a:t>density</a:t>
+            </a:r>
+            <a:r>
+              <a:rPr lang="de-DE" sz="2400" dirty="0"/>
+              <a:t> </a:t>
+            </a:r>
+            <a:r>
+              <a:rPr lang="de-DE" sz="2400" dirty="0" err="1"/>
+              <a:t>is</a:t>
+            </a:r>
+            <a:r>
+              <a:rPr lang="de-DE" sz="2400" dirty="0"/>
+              <a:t> at </a:t>
+            </a:r>
+            <a:r>
+              <a:rPr lang="de-DE" sz="2400" dirty="0" err="1"/>
+              <a:t>around</a:t>
+            </a:r>
+            <a:r>
+              <a:rPr lang="de-DE" sz="2400" dirty="0"/>
+              <a:t> 0,78</a:t>
+            </a:r>
+          </a:p>
+          <a:p>
+            <a:r>
+              <a:rPr lang="de-AT" sz="2400" dirty="0"/>
+              <a:t>Sharp </a:t>
+            </a:r>
+            <a:r>
+              <a:rPr lang="de-AT" sz="2400" dirty="0" err="1"/>
+              <a:t>drop</a:t>
+            </a:r>
+            <a:r>
+              <a:rPr lang="de-AT" sz="2400" dirty="0"/>
+              <a:t> </a:t>
+            </a:r>
+            <a:r>
+              <a:rPr lang="de-AT" sz="2400" dirty="0" err="1"/>
+              <a:t>of</a:t>
+            </a:r>
+            <a:r>
+              <a:rPr lang="de-AT" sz="2400" dirty="0"/>
+              <a:t> </a:t>
+            </a:r>
+            <a:r>
+              <a:rPr lang="de-AT" sz="2400" dirty="0" err="1"/>
+              <a:t>density</a:t>
+            </a:r>
+            <a:r>
+              <a:rPr lang="de-AT" sz="2400" dirty="0"/>
+              <a:t> </a:t>
+            </a:r>
+            <a:r>
+              <a:rPr lang="de-AT" sz="2400" dirty="0" err="1"/>
+              <a:t>towards</a:t>
             </a:r>
             <a:br>
-              <a:rPr lang="de-AT" sz="2400"/>
+              <a:rPr lang="de-AT" sz="2400" dirty="0"/>
             </a:br>
             <a:r>
-              <a:rPr lang="de-AT" sz="2400"/>
-              <a:t>lower values indicates a limit </a:t>
-            </a:r>
-          </a:p>
-          <a:p>
-            <a:r>
-              <a:rPr lang="de-AT" sz="2400"/>
-              <a:t>The more shallow drop towards</a:t>
+              <a:rPr lang="de-AT" sz="2400" dirty="0" err="1"/>
+              <a:t>lower</a:t>
+            </a:r>
+            <a:r>
+              <a:rPr lang="de-AT" sz="2400" dirty="0"/>
+              <a:t> </a:t>
+            </a:r>
+            <a:r>
+              <a:rPr lang="de-AT" sz="2400" dirty="0" err="1"/>
+              <a:t>values</a:t>
+            </a:r>
+            <a:r>
+              <a:rPr lang="de-AT" sz="2400" dirty="0"/>
+              <a:t> </a:t>
+            </a:r>
+            <a:r>
+              <a:rPr lang="de-AT" sz="2400" dirty="0" err="1"/>
+              <a:t>indicates</a:t>
+            </a:r>
+            <a:r>
+              <a:rPr lang="de-AT" sz="2400" dirty="0"/>
+              <a:t> a </a:t>
+            </a:r>
+            <a:r>
+              <a:rPr lang="de-AT" sz="2400" dirty="0" err="1"/>
+              <a:t>limit</a:t>
+            </a:r>
+            <a:r>
+              <a:rPr lang="de-AT" sz="2400" dirty="0"/>
+              <a:t> </a:t>
+            </a:r>
+          </a:p>
+          <a:p>
+            <a:r>
+              <a:rPr lang="de-AT" sz="2400" dirty="0"/>
+              <a:t>The </a:t>
+            </a:r>
+            <a:r>
+              <a:rPr lang="de-AT" sz="2400" dirty="0" err="1"/>
+              <a:t>more</a:t>
+            </a:r>
+            <a:r>
+              <a:rPr lang="de-AT" sz="2400" dirty="0"/>
+              <a:t> </a:t>
+            </a:r>
+            <a:r>
+              <a:rPr lang="de-AT" sz="2400" dirty="0" err="1"/>
+              <a:t>shallow</a:t>
+            </a:r>
+            <a:r>
+              <a:rPr lang="de-AT" sz="2400" dirty="0"/>
+              <a:t> </a:t>
+            </a:r>
+            <a:r>
+              <a:rPr lang="de-AT" sz="2400" dirty="0" err="1"/>
+              <a:t>drop</a:t>
+            </a:r>
+            <a:r>
+              <a:rPr lang="de-AT" sz="2400" dirty="0"/>
+              <a:t> </a:t>
+            </a:r>
+            <a:r>
+              <a:rPr lang="de-AT" sz="2400" dirty="0" err="1"/>
+              <a:t>towards</a:t>
             </a:r>
             <a:br>
-              <a:rPr lang="de-AT" sz="2400"/>
+              <a:rPr lang="de-AT" sz="2400" dirty="0"/>
             </a:br>
             <a:r>
-              <a:rPr lang="de-AT" sz="2400"/>
-              <a:t>higher values indicate that being </a:t>
+              <a:rPr lang="de-AT" sz="2400" dirty="0" err="1"/>
+              <a:t>higher</a:t>
+            </a:r>
+            <a:r>
+              <a:rPr lang="de-AT" sz="2400" dirty="0"/>
+              <a:t> </a:t>
+            </a:r>
+            <a:r>
+              <a:rPr lang="de-AT" sz="2400" dirty="0" err="1"/>
+              <a:t>values</a:t>
+            </a:r>
+            <a:r>
+              <a:rPr lang="de-AT" sz="2400" dirty="0"/>
+              <a:t> </a:t>
+            </a:r>
+            <a:r>
+              <a:rPr lang="de-AT" sz="2400" dirty="0" err="1"/>
+              <a:t>indicate</a:t>
+            </a:r>
+            <a:r>
+              <a:rPr lang="de-AT" sz="2400" dirty="0"/>
+              <a:t> </a:t>
+            </a:r>
+            <a:r>
+              <a:rPr lang="de-AT" sz="2400" dirty="0" err="1"/>
+              <a:t>that</a:t>
+            </a:r>
+            <a:r>
+              <a:rPr lang="de-AT" sz="2400" dirty="0"/>
+              <a:t> </a:t>
+            </a:r>
+            <a:r>
+              <a:rPr lang="de-AT" sz="2400" dirty="0" err="1"/>
+              <a:t>being</a:t>
+            </a:r>
+            <a:r>
+              <a:rPr lang="de-AT" sz="2400" dirty="0"/>
+              <a:t> </a:t>
             </a:r>
             <a:br>
-              <a:rPr lang="de-AT" sz="2400"/>
+              <a:rPr lang="de-AT" sz="2400" dirty="0"/>
             </a:br>
             <a:r>
-              <a:rPr lang="de-AT" sz="2400"/>
-              <a:t>bigger isn‘t necessarily a </a:t>
+              <a:rPr lang="de-AT" sz="2400" dirty="0" err="1"/>
+              <a:t>bigger</a:t>
+            </a:r>
+            <a:r>
+              <a:rPr lang="de-AT" sz="2400" dirty="0"/>
+              <a:t> </a:t>
+            </a:r>
+            <a:r>
+              <a:rPr lang="de-AT" sz="2400" dirty="0" err="1"/>
+              <a:t>isn‘t</a:t>
+            </a:r>
+            <a:r>
+              <a:rPr lang="de-AT" sz="2400" dirty="0"/>
+              <a:t> </a:t>
+            </a:r>
+            <a:r>
+              <a:rPr lang="de-AT" sz="2400" dirty="0" err="1"/>
+              <a:t>necessarily</a:t>
+            </a:r>
+            <a:r>
+              <a:rPr lang="de-AT" sz="2400" dirty="0"/>
+              <a:t> a </a:t>
             </a:r>
             <a:br>
-              <a:rPr lang="de-AT" sz="2400"/>
+              <a:rPr lang="de-AT" sz="2400" dirty="0"/>
             </a:br>
             <a:r>
-              <a:rPr lang="de-AT" sz="2400"/>
-              <a:t>considered disadvantage</a:t>
+              <a:rPr lang="de-AT" sz="2400" dirty="0" err="1"/>
+              <a:t>considered</a:t>
+            </a:r>
+            <a:r>
+              <a:rPr lang="de-AT" sz="2400" dirty="0"/>
+              <a:t> </a:t>
+            </a:r>
+            <a:r>
+              <a:rPr lang="de-AT" sz="2400" dirty="0" err="1"/>
+              <a:t>disadvantage</a:t>
             </a:r>
             <a:br>
-              <a:rPr lang="de-AT" sz="2400"/>
+              <a:rPr lang="de-AT" sz="2400" dirty="0"/>
             </a:br>
-            <a:endParaRPr lang="de-AT" sz="2400"/>
+            <a:endParaRPr lang="de-AT" sz="2400" dirty="0"/>
           </a:p>
         </p:txBody>
       </p:sp>
@@ -5651,14 +5846,249 @@
           <a:lstStyle/>
           <a:p>
             <a:r>
-              <a:rPr lang="de-DE" sz="2400"/>
-              <a:t>Randy Couture is the oldest to ever win a UFC-fight at 47 years old</a:t>
-            </a:r>
-          </a:p>
-          <a:p>
-            <a:r>
-              <a:rPr lang="de-DE" sz="2400"/>
-              <a:t>Further analysis: he leads the chart of oldest winners with 3 fights he won at age 47 and 46 and is followed by Dan Henderson and Tim Boetsch </a:t>
+              <a:rPr lang="de-DE" sz="2400" dirty="0"/>
+              <a:t>35% </a:t>
+            </a:r>
+            <a:r>
+              <a:rPr lang="de-DE" sz="2400" dirty="0" err="1"/>
+              <a:t>of</a:t>
+            </a:r>
+            <a:r>
+              <a:rPr lang="de-DE" sz="2400" dirty="0"/>
+              <a:t> </a:t>
+            </a:r>
+            <a:r>
+              <a:rPr lang="de-DE" sz="2400" dirty="0" err="1"/>
+              <a:t>the</a:t>
+            </a:r>
+            <a:r>
+              <a:rPr lang="de-DE" sz="2400" dirty="0"/>
+              <a:t> </a:t>
+            </a:r>
+            <a:r>
+              <a:rPr lang="de-DE" sz="2400" dirty="0" err="1"/>
+              <a:t>fights</a:t>
+            </a:r>
+            <a:r>
+              <a:rPr lang="de-DE" sz="2400" dirty="0"/>
+              <a:t> </a:t>
+            </a:r>
+            <a:r>
+              <a:rPr lang="de-DE" sz="2400" dirty="0" err="1"/>
+              <a:t>are</a:t>
+            </a:r>
+            <a:r>
+              <a:rPr lang="de-DE" sz="2400" dirty="0"/>
+              <a:t> </a:t>
+            </a:r>
+            <a:r>
+              <a:rPr lang="de-DE" sz="2400" dirty="0" err="1"/>
+              <a:t>won</a:t>
+            </a:r>
+            <a:r>
+              <a:rPr lang="de-DE" sz="2400" dirty="0"/>
+              <a:t> </a:t>
+            </a:r>
+            <a:r>
+              <a:rPr lang="de-DE" sz="2400" dirty="0" err="1"/>
+              <a:t>by</a:t>
+            </a:r>
+            <a:r>
+              <a:rPr lang="de-DE" sz="2400" dirty="0"/>
+              <a:t> KO/TKO</a:t>
+            </a:r>
+          </a:p>
+          <a:p>
+            <a:r>
+              <a:rPr lang="de-DE" sz="2400" dirty="0"/>
+              <a:t>Randy Couture </a:t>
+            </a:r>
+            <a:r>
+              <a:rPr lang="de-DE" sz="2400" dirty="0" err="1"/>
+              <a:t>is</a:t>
+            </a:r>
+            <a:r>
+              <a:rPr lang="de-DE" sz="2400" dirty="0"/>
+              <a:t> </a:t>
+            </a:r>
+            <a:r>
+              <a:rPr lang="de-DE" sz="2400" dirty="0" err="1"/>
+              <a:t>the</a:t>
+            </a:r>
+            <a:r>
+              <a:rPr lang="de-DE" sz="2400" dirty="0"/>
+              <a:t> </a:t>
+            </a:r>
+            <a:r>
+              <a:rPr lang="de-DE" sz="2400" dirty="0" err="1"/>
+              <a:t>oldest</a:t>
+            </a:r>
+            <a:r>
+              <a:rPr lang="de-DE" sz="2400" dirty="0"/>
+              <a:t> </a:t>
+            </a:r>
+            <a:r>
+              <a:rPr lang="de-DE" sz="2400" dirty="0" err="1"/>
+              <a:t>to</a:t>
+            </a:r>
+            <a:r>
+              <a:rPr lang="de-DE" sz="2400" dirty="0"/>
+              <a:t> </a:t>
+            </a:r>
+            <a:r>
+              <a:rPr lang="de-DE" sz="2400" dirty="0" err="1"/>
+              <a:t>ever</a:t>
+            </a:r>
+            <a:r>
+              <a:rPr lang="de-DE" sz="2400" dirty="0"/>
+              <a:t> </a:t>
+            </a:r>
+            <a:r>
+              <a:rPr lang="de-DE" sz="2400" dirty="0" err="1"/>
+              <a:t>win</a:t>
+            </a:r>
+            <a:r>
+              <a:rPr lang="de-DE" sz="2400" dirty="0"/>
+              <a:t> a UFC-</a:t>
+            </a:r>
+            <a:r>
+              <a:rPr lang="de-DE" sz="2400" dirty="0" err="1"/>
+              <a:t>fight</a:t>
+            </a:r>
+            <a:r>
+              <a:rPr lang="de-DE" sz="2400" dirty="0"/>
+              <a:t> at 47 </a:t>
+            </a:r>
+            <a:r>
+              <a:rPr lang="de-DE" sz="2400" dirty="0" err="1"/>
+              <a:t>years</a:t>
+            </a:r>
+            <a:r>
+              <a:rPr lang="de-DE" sz="2400" dirty="0"/>
+              <a:t> </a:t>
+            </a:r>
+            <a:r>
+              <a:rPr lang="de-DE" sz="2400" dirty="0" err="1"/>
+              <a:t>old</a:t>
+            </a:r>
+            <a:endParaRPr lang="de-DE" sz="2400" dirty="0"/>
+          </a:p>
+          <a:p>
+            <a:r>
+              <a:rPr lang="de-DE" sz="2400" dirty="0"/>
+              <a:t>Further </a:t>
+            </a:r>
+            <a:r>
+              <a:rPr lang="de-DE" sz="2400" dirty="0" err="1"/>
+              <a:t>analysis</a:t>
+            </a:r>
+            <a:r>
+              <a:rPr lang="de-DE" sz="2400" dirty="0"/>
+              <a:t>: he </a:t>
+            </a:r>
+            <a:r>
+              <a:rPr lang="de-DE" sz="2400" dirty="0" err="1"/>
+              <a:t>leads</a:t>
+            </a:r>
+            <a:r>
+              <a:rPr lang="de-DE" sz="2400" dirty="0"/>
+              <a:t> </a:t>
+            </a:r>
+            <a:r>
+              <a:rPr lang="de-DE" sz="2400" dirty="0" err="1"/>
+              <a:t>the</a:t>
+            </a:r>
+            <a:r>
+              <a:rPr lang="de-DE" sz="2400" dirty="0"/>
+              <a:t> </a:t>
+            </a:r>
+            <a:r>
+              <a:rPr lang="de-DE" sz="2400" dirty="0" err="1"/>
+              <a:t>chart</a:t>
+            </a:r>
+            <a:r>
+              <a:rPr lang="de-DE" sz="2400" dirty="0"/>
+              <a:t> </a:t>
+            </a:r>
+            <a:r>
+              <a:rPr lang="de-DE" sz="2400" dirty="0" err="1"/>
+              <a:t>of</a:t>
+            </a:r>
+            <a:r>
+              <a:rPr lang="de-DE" sz="2400" dirty="0"/>
+              <a:t> </a:t>
+            </a:r>
+            <a:r>
+              <a:rPr lang="de-DE" sz="2400" dirty="0" err="1"/>
+              <a:t>oldest</a:t>
+            </a:r>
+            <a:r>
+              <a:rPr lang="de-DE" sz="2400" dirty="0"/>
+              <a:t> </a:t>
+            </a:r>
+            <a:r>
+              <a:rPr lang="de-DE" sz="2400" dirty="0" err="1"/>
+              <a:t>winners</a:t>
+            </a:r>
+            <a:r>
+              <a:rPr lang="de-DE" sz="2400" dirty="0"/>
+              <a:t> </a:t>
+            </a:r>
+            <a:r>
+              <a:rPr lang="de-DE" sz="2400" dirty="0" err="1"/>
+              <a:t>with</a:t>
+            </a:r>
+            <a:r>
+              <a:rPr lang="de-DE" sz="2400" dirty="0"/>
+              <a:t> 3 </a:t>
+            </a:r>
+            <a:r>
+              <a:rPr lang="de-DE" sz="2400" dirty="0" err="1"/>
+              <a:t>fights</a:t>
+            </a:r>
+            <a:r>
+              <a:rPr lang="de-DE" sz="2400" dirty="0"/>
+              <a:t> he </a:t>
+            </a:r>
+            <a:r>
+              <a:rPr lang="de-DE" sz="2400" dirty="0" err="1"/>
+              <a:t>won</a:t>
+            </a:r>
+            <a:r>
+              <a:rPr lang="de-DE" sz="2400" dirty="0"/>
+              <a:t> at </a:t>
+            </a:r>
+            <a:r>
+              <a:rPr lang="de-DE" sz="2400" dirty="0" err="1"/>
+              <a:t>age</a:t>
+            </a:r>
+            <a:r>
+              <a:rPr lang="de-DE" sz="2400" dirty="0"/>
+              <a:t> 47 and 46 and </a:t>
+            </a:r>
+            <a:r>
+              <a:rPr lang="de-DE" sz="2400" dirty="0" err="1"/>
+              <a:t>is</a:t>
+            </a:r>
+            <a:r>
+              <a:rPr lang="de-DE" sz="2400" dirty="0"/>
+              <a:t> </a:t>
+            </a:r>
+            <a:r>
+              <a:rPr lang="de-DE" sz="2400" dirty="0" err="1"/>
+              <a:t>followed</a:t>
+            </a:r>
+            <a:r>
+              <a:rPr lang="de-DE" sz="2400" dirty="0"/>
+              <a:t> </a:t>
+            </a:r>
+            <a:r>
+              <a:rPr lang="de-DE" sz="2400" dirty="0" err="1"/>
+              <a:t>by</a:t>
+            </a:r>
+            <a:r>
+              <a:rPr lang="de-DE" sz="2400" dirty="0"/>
+              <a:t> Dan Henderson and Tim Boetsch </a:t>
             </a:r>
           </a:p>
         </p:txBody>

--- a/reports/UFC-Dataset.pptx
+++ b/reports/UFC-Dataset.pptx
@@ -132,11 +132,26 @@
 <pc:chgInfo xmlns:a="http://schemas.openxmlformats.org/drawingml/2006/main" xmlns:r="http://schemas.openxmlformats.org/officeDocument/2006/relationships" xmlns:ac="http://schemas.microsoft.com/office/drawing/2013/main/command" xmlns:pc="http://schemas.microsoft.com/office/powerpoint/2013/main/command">
   <pc:docChgLst>
     <pc:chgData name="luka.maier@edu.uni-graz.at" userId="fdc483ae-c691-45e1-87b8-c1ba072db99b" providerId="ADAL" clId="{4B4DFB60-3AC6-4B7A-9B7D-A88B1976E41B}"/>
-    <pc:docChg chg="modSld">
-      <pc:chgData name="luka.maier@edu.uni-graz.at" userId="fdc483ae-c691-45e1-87b8-c1ba072db99b" providerId="ADAL" clId="{4B4DFB60-3AC6-4B7A-9B7D-A88B1976E41B}" dt="2020-05-08T12:51:59.963" v="37" actId="20577"/>
+    <pc:docChg chg="custSel modSld">
+      <pc:chgData name="luka.maier@edu.uni-graz.at" userId="fdc483ae-c691-45e1-87b8-c1ba072db99b" providerId="ADAL" clId="{4B4DFB60-3AC6-4B7A-9B7D-A88B1976E41B}" dt="2020-05-08T12:54:33.523" v="126" actId="20577"/>
       <pc:docMkLst>
         <pc:docMk/>
       </pc:docMkLst>
+      <pc:sldChg chg="modSp mod">
+        <pc:chgData name="luka.maier@edu.uni-graz.at" userId="fdc483ae-c691-45e1-87b8-c1ba072db99b" providerId="ADAL" clId="{4B4DFB60-3AC6-4B7A-9B7D-A88B1976E41B}" dt="2020-05-08T12:54:33.523" v="126" actId="20577"/>
+        <pc:sldMkLst>
+          <pc:docMk/>
+          <pc:sldMk cId="2133226060" sldId="259"/>
+        </pc:sldMkLst>
+        <pc:spChg chg="mod">
+          <ac:chgData name="luka.maier@edu.uni-graz.at" userId="fdc483ae-c691-45e1-87b8-c1ba072db99b" providerId="ADAL" clId="{4B4DFB60-3AC6-4B7A-9B7D-A88B1976E41B}" dt="2020-05-08T12:54:33.523" v="126" actId="20577"/>
+          <ac:spMkLst>
+            <pc:docMk/>
+            <pc:sldMk cId="2133226060" sldId="259"/>
+            <ac:spMk id="3" creationId="{6587A289-EC0C-4F5E-95C5-0C4993954D89}"/>
+          </ac:spMkLst>
+        </pc:spChg>
+      </pc:sldChg>
       <pc:sldChg chg="modSp mod">
         <pc:chgData name="luka.maier@edu.uni-graz.at" userId="fdc483ae-c691-45e1-87b8-c1ba072db99b" providerId="ADAL" clId="{4B4DFB60-3AC6-4B7A-9B7D-A88B1976E41B}" dt="2020-05-08T12:51:59.963" v="37" actId="20577"/>
         <pc:sldMkLst>
@@ -5435,8 +5450,29 @@
             </a:r>
             <a:r>
               <a:rPr lang="de-AT" sz="2400" dirty="0"/>
+              <a:t> due </a:t>
+            </a:r>
+            <a:r>
+              <a:rPr lang="de-AT" sz="2400" dirty="0" err="1"/>
+              <a:t>to</a:t>
+            </a:r>
+            <a:r>
+              <a:rPr lang="de-AT" sz="2400" dirty="0"/>
               <a:t> </a:t>
             </a:r>
+            <a:r>
+              <a:rPr lang="de-AT" sz="2400" dirty="0" err="1"/>
+              <a:t>weight</a:t>
+            </a:r>
+            <a:r>
+              <a:rPr lang="de-AT" sz="2400" dirty="0"/>
+              <a:t> </a:t>
+            </a:r>
+            <a:r>
+              <a:rPr lang="de-AT" sz="2400" dirty="0" err="1"/>
+              <a:t>classes</a:t>
+            </a:r>
+            <a:endParaRPr lang="de-AT" sz="2400" dirty="0"/>
           </a:p>
           <a:p>
             <a:r>
@@ -5519,7 +5555,7 @@
             </a:br>
             <a:r>
               <a:rPr lang="de-AT" sz="2400" dirty="0" err="1"/>
-              <a:t>bigger</a:t>
+              <a:t>smaller</a:t>
             </a:r>
             <a:r>
               <a:rPr lang="de-AT" sz="2400" dirty="0"/>
@@ -5539,18 +5575,15 @@
             </a:r>
             <a:r>
               <a:rPr lang="de-AT" sz="2400" dirty="0"/>
-              <a:t> a </a:t>
-            </a:r>
-            <a:br>
-              <a:rPr lang="de-AT" sz="2400" dirty="0"/>
-            </a:br>
+              <a:t> </a:t>
+            </a:r>
             <a:r>
               <a:rPr lang="de-AT" sz="2400" dirty="0" err="1"/>
               <a:t>considered</a:t>
             </a:r>
             <a:r>
               <a:rPr lang="de-AT" sz="2400" dirty="0"/>
-              <a:t> </a:t>
+              <a:t> a </a:t>
             </a:r>
             <a:r>
               <a:rPr lang="de-AT" sz="2400" dirty="0" err="1"/>
